--- a/asd/Prezentacja.pptx
+++ b/asd/Prezentacja.pptx
@@ -5594,7 +5594,7 @@
           <a:p>
             <a:fld id="{978701B7-0728-47A3-AAE0-D5877EBB745C}" type="datetimeFigureOut">
               <a:rPr lang="pl-PL" smtClean="0"/>
-              <a:t>19.01.2022</a:t>
+              <a:t>22.01.2022</a:t>
             </a:fld>
             <a:endParaRPr lang="pl-PL"/>
           </a:p>
@@ -5905,16 +5905,21 @@
           <a:bodyPr/>
           <a:lstStyle/>
           <a:p>
+            <a:pPr marL="228600" indent="-228600">
+              <a:buAutoNum type="arabicPeriod"/>
+            </a:pPr>
             <a:r>
               <a:rPr lang="pl-PL" dirty="0"/>
-              <a:t>Dzień dobry,</a:t>
+              <a:t>Przedstawienie się</a:t>
             </a:r>
-            <a:br>
-              <a:rPr lang="pl-PL" dirty="0"/>
-            </a:br>
+          </a:p>
+          <a:p>
+            <a:pPr marL="228600" indent="-228600">
+              <a:buAutoNum type="arabicPeriod"/>
+            </a:pPr>
             <a:r>
               <a:rPr lang="pl-PL" dirty="0"/>
-              <a:t>chciałbym przedstawić swój projekt inżynierski, którego tematem jest systemu zarządzania siecią siłowni. W ramach pracy stworzyłem aplikację internetową, wspomagającą właścicieli w prowadzeniu sieci siłowni.</a:t>
+              <a:t>Zaprezentowanie tematu projektu</a:t>
             </a:r>
           </a:p>
         </p:txBody>
@@ -5999,17 +6004,39 @@
           <a:bodyPr/>
           <a:lstStyle/>
           <a:p>
+            <a:pPr marL="228600" indent="-228600">
+              <a:buAutoNum type="arabicPeriod"/>
+            </a:pPr>
             <a:r>
               <a:rPr lang="pl-PL" dirty="0"/>
-              <a:t>Jak wspomniałem wcześniej w systemie istnieje moduł karnetów, gdzie klient może zakupić karnet. W tej chwili system automatycznie potwierdza otrzymanie płatności. Istotne jest to, aby w kolejnych korkach zintegrować aplikacje z systemem płatniczym (np. Przelewy24, </a:t>
+              <a:t>Omówienie dalszych dróg rozwoju aplikacji</a:t>
             </a:r>
-            <a:r>
-              <a:rPr lang="pl-PL" dirty="0" err="1"/>
-              <a:t>Upay</a:t>
-            </a:r>
+          </a:p>
+          <a:p>
+            <a:pPr marL="685800" lvl="1" indent="-228600">
+              <a:buAutoNum type="arabicPeriod"/>
+            </a:pPr>
             <a:r>
               <a:rPr lang="pl-PL" dirty="0"/>
-              <a:t>), które pozwalają na użytkownik na dokonywanie płatności w wygodny dla nich sposób. Poza tym, wiele z komercyjnych rozwiązań posiada moduł recepcji, który pozwala na zarządzanie zasobami baru czy recepcji. Wiele siłowni posiada recepcje, gdzie klienci po lub przed treningiem kupują odżywki, koktajle albo batony białkowe. Innym ścieżką rozwoju jest przejście na architekturę mikro-usługową w celu rozwijania aplikacji w dużym zespole. Jak wiadomo rozwój projektu przez duży zespół może być uciążliwe, dlatego w razie komercjalizacji zmiana architektury może pozwolić na podzielenie projektu na mniejsze a następnie rozwijania systemu w kliku mniejszych zespołach.</a:t>
+              <a:t>Dodanie integracji z systemem płatności w celu pełnej komercjalizacji</a:t>
+            </a:r>
+          </a:p>
+          <a:p>
+            <a:pPr marL="685800" lvl="1" indent="-228600">
+              <a:buAutoNum type="arabicPeriod"/>
+            </a:pPr>
+            <a:r>
+              <a:rPr lang="pl-PL" dirty="0"/>
+              <a:t>Implementacja modułu recepcji/baru w celu zwiększenia konkurencyjności rozwiązania</a:t>
+            </a:r>
+          </a:p>
+          <a:p>
+            <a:pPr marL="685800" lvl="1" indent="-228600">
+              <a:buAutoNum type="arabicPeriod"/>
+            </a:pPr>
+            <a:r>
+              <a:rPr lang="pl-PL" dirty="0"/>
+              <a:t>Możliwe przejście na architekturę mikro-usługową w celu zwiększenia zespołu rozwijającego produkt</a:t>
             </a:r>
           </a:p>
         </p:txBody>
@@ -6096,7 +6123,7 @@
           <a:p>
             <a:r>
               <a:rPr lang="pl-PL" dirty="0"/>
-              <a:t>Czy są jakieś pytania?</a:t>
+              <a:t>1. Czy są jakieś pytania</a:t>
             </a:r>
           </a:p>
         </p:txBody>
@@ -6265,25 +6292,48 @@
           <a:bodyPr/>
           <a:lstStyle/>
           <a:p>
+            <a:pPr marL="228600" indent="-228600">
+              <a:buAutoNum type="arabicPeriod"/>
+            </a:pPr>
             <a:r>
               <a:rPr lang="pl-PL" dirty="0"/>
-              <a:t>Można zadać pytanie dlaczego akurat taki temat pracy? Powodów jest kilka. Głównym powodem dlaczego wybrałem ten temat jest stworzenie produktu, który ułatwi </a:t>
+              <a:t>Przedstawienie dlaczego akurat taki temat pracy</a:t>
             </a:r>
-            <a:r>
-              <a:rPr lang="pl-PL" dirty="0" err="1"/>
-              <a:t>włąścicielom</a:t>
-            </a:r>
+          </a:p>
+          <a:p>
+            <a:pPr marL="685800" lvl="1" indent="-228600">
+              <a:buAutoNum type="arabicPeriod"/>
+            </a:pPr>
             <a:r>
               <a:rPr lang="pl-PL" dirty="0"/>
-              <a:t> prowadzenie siłowni w dobie pandemii </a:t>
+              <a:t>Omówienie sytuacji związane z pandemią COVID-19</a:t>
             </a:r>
-            <a:r>
-              <a:rPr lang="pl-PL" dirty="0" err="1"/>
-              <a:t>koronawirusa</a:t>
-            </a:r>
+          </a:p>
+          <a:p>
+            <a:pPr marL="685800" lvl="1" indent="-228600">
+              <a:buAutoNum type="arabicPeriod"/>
+            </a:pPr>
             <a:r>
               <a:rPr lang="pl-PL" dirty="0"/>
-              <a:t>. Dzisiaj przedsiębiorcy działający w tej dziedzinie muszą mierzyć się z ciągle zmieniającymi się przepisami. Restrykcje sanitarne są uciążliwe zarówno dla klientów jak i personelu, który musi go egzekwować. Proponowanym przeze mnie rozwiązaniem jest system, który pomagałby w kontrolowaniu liczby osób oraz dawałby możliwość konfigurowania ile tych osób może się znajdować. Kolejny powód jest czysto ekonomiczny. W ostatnim czasie m.in. z mediów społecznościowych możemy zauważyć rosnąć popularność zdrowego stylu życia. Przedsiębiorcy nie są na to głusi i otwierają nowe obiekty sportowe, gdzie klienci mogą poprawiać swoją sylwetkę. Do prowadzenia siłowni na pewno byłby im pomocny system, który wyręczałby ich z wielu powtarzalnych czynności. Pytanie dlaczego mieliby wybrać akurat mój system? Tutaj znowu wskazuje narzędzia wspomagające prowadzenie siłowni w dobie COVID-19, a poza tym wykorzystanie bazy </a:t>
+              <a:t>Zalety wykorzystania oprogramowania w celu automatyzacji procesów</a:t>
+            </a:r>
+          </a:p>
+          <a:p>
+            <a:pPr marL="685800" lvl="1" indent="-228600">
+              <a:buAutoNum type="arabicPeriod"/>
+            </a:pPr>
+            <a:r>
+              <a:rPr lang="pl-PL" dirty="0"/>
+              <a:t>Inne zalety systemu w dobie mody na zdrowy styl życia</a:t>
+            </a:r>
+          </a:p>
+          <a:p>
+            <a:pPr marL="685800" lvl="1" indent="-228600">
+              <a:buAutoNum type="arabicPeriod"/>
+            </a:pPr>
+            <a:r>
+              <a:rPr lang="pl-PL" dirty="0"/>
+              <a:t>Korzyści płynące z </a:t>
             </a:r>
             <a:r>
               <a:rPr lang="pl-PL" dirty="0" err="1"/>
@@ -6291,8 +6341,14 @@
             </a:r>
             <a:r>
               <a:rPr lang="pl-PL" dirty="0"/>
-              <a:t>, które mają kilka istotnych zalet, ale o tym później.</a:t>
+              <a:t> (krótko)</a:t>
             </a:r>
+          </a:p>
+          <a:p>
+            <a:pPr marL="685800" lvl="1" indent="-228600">
+              <a:buAutoNum type="arabicPeriod"/>
+            </a:pPr>
+            <a:endParaRPr lang="pl-PL" dirty="0"/>
           </a:p>
         </p:txBody>
       </p:sp>
@@ -6376,17 +6432,30 @@
           <a:bodyPr/>
           <a:lstStyle/>
           <a:p>
+            <a:pPr marL="228600" indent="-228600">
+              <a:buAutoNum type="arabicPeriod"/>
+            </a:pPr>
             <a:r>
               <a:rPr lang="pl-PL" dirty="0"/>
-              <a:t>Chciałbym przedstawić Państwu jedną z funkcjonalności systemu. Jest to moduł bramek, który pozwala na kontrolowanie liczby osób na siłowni. Każdy użytkownik wchodzący na siłowni musi zeskanować swoją kartę klienta. Zaraz po zeskanowaniu zobaczy informację na ekranie bramki o tym czy może wejść na </a:t>
+              <a:t>Omówienie dlaczego powstał moduł bramek</a:t>
             </a:r>
-            <a:r>
-              <a:rPr lang="pl-PL" dirty="0" err="1"/>
-              <a:t>siłwonie</a:t>
-            </a:r>
+          </a:p>
+          <a:p>
+            <a:pPr marL="228600" indent="-228600">
+              <a:buAutoNum type="arabicPeriod"/>
+            </a:pPr>
             <a:r>
               <a:rPr lang="pl-PL" dirty="0"/>
-              <a:t>. Jeśli posiada karnet, a na siłowni nie znajduje się zbyt duża liczba osób, to będzie mógł wejść. Takie podejście pozwala na automatyczne kontrolowanie czy w obiekcie nie znajduje się zbyt duża liczba osób w kontekście obowiązujących przepisów sanitarnych. Po prawej stronie widać formularz, który jest wyświetlany na ekranie bramki wyjściowej. Gdy wyjdzie z siłowni licznik aktywnych klientów zmniejszy się, dzięki czemu inny klient będzie mógł wejść przez bramkę wejściową.</a:t>
+              <a:t>Sposób działania</a:t>
+            </a:r>
+          </a:p>
+          <a:p>
+            <a:pPr marL="228600" indent="-228600">
+              <a:buAutoNum type="arabicPeriod"/>
+            </a:pPr>
+            <a:r>
+              <a:rPr lang="pl-PL" dirty="0"/>
+              <a:t>W jaki sposób wyliczane są wartości</a:t>
             </a:r>
           </a:p>
         </p:txBody>
@@ -6471,33 +6540,57 @@
           <a:bodyPr/>
           <a:lstStyle/>
           <a:p>
+            <a:pPr marL="228600" indent="-228600">
+              <a:buAutoNum type="arabicPeriod"/>
+            </a:pPr>
             <a:r>
               <a:rPr lang="pl-PL" dirty="0"/>
-              <a:t>Inną istotnym modułem w systemie jest moduł zarządzania. System ten pozwala właścicielowi zarządzać siecią siłowni np. poprzez dodawanie nowy obiektów do sieci, modyfikacje ich oraz dodawanie pomieszczeń. Dodawania pomieszczeń jest istotne ze względu na mechanizm wyliczania maksymalnej liczby osób, która znajduje się na siłowni. Im większa sumaryczna powierzchnia pomieszczeń tym więcej osób będzie </a:t>
+              <a:t>Przestawienie funkcjonalności modułu zarządzania siłownią</a:t>
             </a:r>
-            <a:r>
-              <a:rPr lang="pl-PL" dirty="0" err="1"/>
-              <a:t>mogłby</a:t>
-            </a:r>
+          </a:p>
+          <a:p>
+            <a:pPr marL="685800" lvl="1" indent="-228600">
+              <a:buAutoNum type="arabicPeriod"/>
+            </a:pPr>
             <a:r>
               <a:rPr lang="pl-PL" dirty="0"/>
-              <a:t> być w jednej chwili na siłowni. Poza tym w module zarządzania można dodawać konta trenerów </a:t>
+              <a:t>Siłownie</a:t>
             </a:r>
-            <a:r>
-              <a:rPr lang="pl-PL" dirty="0" err="1"/>
-              <a:t>persolnalnych</a:t>
-            </a:r>
+          </a:p>
+          <a:p>
+            <a:pPr marL="685800" lvl="1" indent="-228600">
+              <a:buAutoNum type="arabicPeriod"/>
+            </a:pPr>
             <a:r>
               <a:rPr lang="pl-PL" dirty="0"/>
-              <a:t>, definiować maszyny i </a:t>
+              <a:t>Pomieszczenia</a:t>
             </a:r>
-            <a:r>
-              <a:rPr lang="pl-PL" dirty="0" err="1"/>
-              <a:t>aksceoria</a:t>
-            </a:r>
+          </a:p>
+          <a:p>
+            <a:pPr marL="685800" lvl="1" indent="-228600">
+              <a:buAutoNum type="arabicPeriod"/>
+            </a:pPr>
             <a:r>
               <a:rPr lang="pl-PL" dirty="0"/>
-              <a:t>, którymi sieć dysponuje oraz tworzyć ofertę karnetów. Karnety będą dostępne do zakupu dla klientów w module karnetów.</a:t>
+              <a:t>Trenerzy i ich rola w systemie</a:t>
+            </a:r>
+          </a:p>
+          <a:p>
+            <a:pPr marL="685800" lvl="1" indent="-228600">
+              <a:buAutoNum type="arabicPeriod"/>
+            </a:pPr>
+            <a:r>
+              <a:rPr lang="pl-PL" dirty="0"/>
+              <a:t>Maszyny</a:t>
+            </a:r>
+          </a:p>
+          <a:p>
+            <a:pPr marL="685800" lvl="1" indent="-228600">
+              <a:buAutoNum type="arabicPeriod"/>
+            </a:pPr>
+            <a:r>
+              <a:rPr lang="pl-PL" dirty="0"/>
+              <a:t>Karnety i ich rola</a:t>
             </a:r>
           </a:p>
         </p:txBody>
@@ -6582,9 +6675,30 @@
           <a:bodyPr/>
           <a:lstStyle/>
           <a:p>
+            <a:pPr marL="228600" indent="-228600">
+              <a:buAutoNum type="arabicPeriod"/>
+            </a:pPr>
             <a:r>
               <a:rPr lang="pl-PL" dirty="0"/>
-              <a:t>Kolejną ciekawą funkcjonalnością jest moduł wydarzeń. Trenerzy personalni za jej pomocą mogą organizować spotkania dla większych grup podopiecznych w celu wykonywania ćwiczeń. Dla wielu klientów istotne jest, aby takie wydarzenia się odbywały, a ten moduł może im w tym pomóc. Po lewej stronie widzimy formularz tworzenia takie wydarzenia. Trener personalny musi na nim zdefiniować kiedy i gdzie się odbędzie wydarzenie oraz w jakim miejscu. Poza tym może zdefiniować maksymalną liczbę uczestników. Po prawej stronie widzimy widok Moje wydarzenia (klient), na którym klienci widzą na jakie wydarzenia się zapisali. Z tego poziomu mogą przejść do poglądu wydarzenia gdzie jest możliwość zrezygnowania lub zapisania się na wydarzenie.</a:t>
+              <a:t>Dlaczego moduł wydarzeń jest istotny na konkurencyjnym rynku</a:t>
+            </a:r>
+          </a:p>
+          <a:p>
+            <a:pPr marL="228600" indent="-228600">
+              <a:buAutoNum type="arabicPeriod"/>
+            </a:pPr>
+            <a:r>
+              <a:rPr lang="pl-PL" dirty="0"/>
+              <a:t>Dlaczego jest przydatny</a:t>
+            </a:r>
+          </a:p>
+          <a:p>
+            <a:pPr marL="228600" indent="-228600">
+              <a:buAutoNum type="arabicPeriod"/>
+            </a:pPr>
+            <a:r>
+              <a:rPr lang="pl-PL" dirty="0"/>
+              <a:t>Omówienie sposobu działania</a:t>
             </a:r>
           </a:p>
         </p:txBody>
@@ -6669,9 +6783,21 @@
           <a:bodyPr/>
           <a:lstStyle/>
           <a:p>
+            <a:pPr marL="228600" indent="-228600">
+              <a:buAutoNum type="arabicPeriod"/>
+            </a:pPr>
             <a:r>
               <a:rPr lang="pl-PL" dirty="0"/>
-              <a:t>Ostatnią funkcjonalnością jaką chcę Państwu przedstawić, jest moduł treningów indywidualnych. Jest on podobny do modułu wydarzeń, z tą różnicą, że trener może z poziomu tego modułu tworzyć terminy w, których będzie dostępny dla klientów. Następnie klienci mają możliwość zapisania się na takie treningi. W tym momencie muszą jeszcze zaczekać na potwierdzenie treningu przez trenera. Przydatną funkcjonalnością jest możliwość przeglądania przez klientów treningów na które się zapisali. Dzięki temu mniejsze jest ryzyko, że zapomną o danym treningu.</a:t>
+              <a:t>Dlaczego modułu treningów indywidualnych jest przydatny</a:t>
+            </a:r>
+          </a:p>
+          <a:p>
+            <a:pPr marL="228600" indent="-228600">
+              <a:buAutoNum type="arabicPeriod"/>
+            </a:pPr>
+            <a:r>
+              <a:rPr lang="pl-PL" dirty="0"/>
+              <a:t>Omówienie sposobu działania</a:t>
             </a:r>
           </a:p>
         </p:txBody>
@@ -6756,145 +6882,66 @@
           <a:bodyPr/>
           <a:lstStyle/>
           <a:p>
+            <a:pPr marL="228600" indent="-228600">
+              <a:buAutoNum type="arabicPeriod"/>
+            </a:pPr>
             <a:r>
               <a:rPr lang="pl-PL" dirty="0"/>
-              <a:t>Teraz chciałbym państwu zaprezentować architekturę aplikacji. Aplikacja została podzielona na dwie główne warstwy: </a:t>
+              <a:t>Przedstawienie ogólnej architektury (warstwa prezentacji/serwerowa)</a:t>
             </a:r>
-            <a:r>
-              <a:rPr lang="pl-PL" dirty="0" err="1"/>
-              <a:t>warste</a:t>
-            </a:r>
+          </a:p>
+          <a:p>
+            <a:pPr marL="228600" indent="-228600">
+              <a:buAutoNum type="arabicPeriod"/>
+            </a:pPr>
             <a:r>
               <a:rPr lang="pl-PL" dirty="0"/>
-              <a:t> serwerową o raz warstwę prezentacji. Warstwa prezentacji została zrealizowana przy pomocy platformy programistycznej </a:t>
+              <a:t>Przedstawienie w sposób bardziej szczegółowy warstwy prezentacji i technologii wykorzystanych</a:t>
             </a:r>
-            <a:r>
-              <a:rPr lang="pl-PL" dirty="0" err="1"/>
-              <a:t>Angular</a:t>
-            </a:r>
+          </a:p>
+          <a:p>
+            <a:pPr marL="228600" indent="-228600">
+              <a:buAutoNum type="arabicPeriod"/>
+            </a:pPr>
             <a:r>
               <a:rPr lang="pl-PL" dirty="0"/>
-              <a:t> oraz języka programowania </a:t>
+              <a:t>Omówienie warstwy serwerowej</a:t>
             </a:r>
-            <a:r>
-              <a:rPr lang="pl-PL" dirty="0" err="1"/>
-              <a:t>TypeScript</a:t>
-            </a:r>
+          </a:p>
+          <a:p>
+            <a:pPr marL="685800" lvl="1" indent="-228600">
+              <a:buAutoNum type="arabicPeriod"/>
+            </a:pPr>
             <a:r>
               <a:rPr lang="pl-PL" dirty="0"/>
-              <a:t>. Warstwa ta komunikuje się z warstwą serwerową za pomocą interfejsu REST API warstwy serwerowej. Warstwa serwerowa składa się natomiast z dokumentowej bazy danych </a:t>
+              <a:t>Jaka baza została wykorzystana</a:t>
             </a:r>
-            <a:r>
-              <a:rPr lang="pl-PL" dirty="0" err="1"/>
-              <a:t>MongoDB</a:t>
-            </a:r>
+          </a:p>
+          <a:p>
+            <a:pPr marL="685800" lvl="1" indent="-228600">
+              <a:buAutoNum type="arabicPeriod"/>
+            </a:pPr>
             <a:r>
               <a:rPr lang="pl-PL" dirty="0"/>
-              <a:t>, aplikacji .NET, która powstała przy wykorzystani biblioteki ASP.NET oraz języka .NET. Aplikacja wykorzystuje do komunikacji z bazą sterownik </a:t>
+              <a:t>Technologie wykorzystane do budowania aplikacji</a:t>
             </a:r>
-            <a:r>
-              <a:rPr lang="pl-PL" dirty="0" err="1"/>
-              <a:t>MongoDB</a:t>
-            </a:r>
+          </a:p>
+          <a:p>
+            <a:pPr marL="685800" lvl="1" indent="-228600">
+              <a:buAutoNum type="arabicPeriod"/>
+            </a:pPr>
             <a:r>
               <a:rPr lang="pl-PL" dirty="0"/>
-              <a:t> .NET Driver. Aplikacja .NET została podzielona na mniejsze projekty, gdzie każdy z nich ma inne zadania. </a:t>
+              <a:t>Sposób komunikacji bazy z aplikacją .NET</a:t>
             </a:r>
-            <a:r>
-              <a:rPr lang="pl-PL" dirty="0" err="1"/>
-              <a:t>Samson.Web.Application</a:t>
-            </a:r>
+          </a:p>
+          <a:p>
+            <a:pPr marL="228600" lvl="0" indent="-228600">
+              <a:buAutoNum type="arabicPeriod"/>
+            </a:pPr>
             <a:r>
               <a:rPr lang="pl-PL" dirty="0"/>
-              <a:t> zawiera serwisy aplikacyjne i to tam znajduje się cała logika biznesowa aplikacji, API </a:t>
-            </a:r>
-            <a:r>
-              <a:rPr lang="pl-PL" dirty="0" err="1"/>
-              <a:t>udostniępnia</a:t>
-            </a:r>
-            <a:r>
-              <a:rPr lang="pl-PL" dirty="0"/>
-              <a:t> za pomocą kontrolerów interfejs </a:t>
-            </a:r>
-            <a:r>
-              <a:rPr lang="pl-PL" dirty="0" err="1"/>
-              <a:t>RESTfull</a:t>
-            </a:r>
-            <a:r>
-              <a:rPr lang="pl-PL" dirty="0"/>
-              <a:t> API, który pozwala na komunikację z warstwą prezentacji przy wykorzystaniu protokołu HTTP. Następnym projektem jest Identity, którego głównym zadaniem jest </a:t>
-            </a:r>
-            <a:r>
-              <a:rPr lang="pl-PL" dirty="0" err="1"/>
-              <a:t>ogługa</a:t>
-            </a:r>
-            <a:r>
-              <a:rPr lang="pl-PL" dirty="0"/>
-              <a:t> żetonów JWT, które odpowiadają za autentykacje i autoryzację użytkowników. Projekt </a:t>
-            </a:r>
-            <a:r>
-              <a:rPr lang="pl-PL" dirty="0" err="1"/>
-              <a:t>Infrastructure</a:t>
-            </a:r>
-            <a:r>
-              <a:rPr lang="pl-PL" dirty="0"/>
-              <a:t> zawiera klasy, które są wykorzystywane pomiędzy różnymi projektami. W </a:t>
-            </a:r>
-            <a:r>
-              <a:rPr lang="pl-PL" dirty="0" err="1"/>
-              <a:t>Models</a:t>
-            </a:r>
-            <a:r>
-              <a:rPr lang="pl-PL" dirty="0"/>
-              <a:t> znajdują się modele domenowe aplikacji. Ciekawymi modułami jest </a:t>
-            </a:r>
-            <a:r>
-              <a:rPr lang="pl-PL" dirty="0" err="1"/>
-              <a:t>Persistence</a:t>
-            </a:r>
-            <a:r>
-              <a:rPr lang="pl-PL" dirty="0"/>
-              <a:t> i </a:t>
-            </a:r>
-            <a:r>
-              <a:rPr lang="pl-PL" dirty="0" err="1"/>
-              <a:t>ReadModels</a:t>
-            </a:r>
-            <a:r>
-              <a:rPr lang="pl-PL" dirty="0"/>
-              <a:t>. Aplikacja korzysta z wzorca CQRS, którego głównym </a:t>
-            </a:r>
-            <a:r>
-              <a:rPr lang="pl-PL" dirty="0" err="1"/>
-              <a:t>załodzniem</a:t>
-            </a:r>
-            <a:r>
-              <a:rPr lang="pl-PL" dirty="0"/>
-              <a:t> jest rozdzielenie odpowiedzialności za odczyt i zapis. Jak widać moduł </a:t>
-            </a:r>
-            <a:r>
-              <a:rPr lang="pl-PL" dirty="0" err="1"/>
-              <a:t>persistence</a:t>
-            </a:r>
-            <a:r>
-              <a:rPr lang="pl-PL" dirty="0"/>
-              <a:t> odpowiada za zapis, natomiast odczyt realizowany jest za pomocą klas o nazwie </a:t>
-            </a:r>
-            <a:r>
-              <a:rPr lang="pl-PL" dirty="0" err="1"/>
-              <a:t>ReadModel</a:t>
-            </a:r>
-            <a:r>
-              <a:rPr lang="pl-PL" dirty="0"/>
-              <a:t>. Wzorzec CQRS omówię jeszcze dodatkowo później. W rozwiązaniu znajduje się również projekt odpowiedzialny za testy jednostkowe. Ostatnim projektem jest </a:t>
-            </a:r>
-            <a:r>
-              <a:rPr lang="pl-PL" dirty="0" err="1"/>
-              <a:t>WebHost</a:t>
-            </a:r>
-            <a:r>
-              <a:rPr lang="pl-PL" dirty="0"/>
-              <a:t>, który jest projektem startowym aplikacji. To właśnie on odpowiada za rozpoczęcie pracy aplikacji oraz jego podstawowe konfiguracje.</a:t>
+              <a:t>Omówienie poszczególnych projektów</a:t>
             </a:r>
           </a:p>
         </p:txBody>
@@ -6979,7 +7026,7 @@
           <a:bodyPr/>
           <a:lstStyle/>
           <a:p>
-            <a:pPr marL="0" marR="0" lvl="0" indent="0" algn="l" defTabSz="914400" rtl="0" eaLnBrk="1" fontAlgn="auto" latinLnBrk="0" hangingPunct="1">
+            <a:pPr marL="228600" marR="0" lvl="0" indent="-228600" algn="l" defTabSz="914400" rtl="0" eaLnBrk="1" fontAlgn="auto" latinLnBrk="0" hangingPunct="1">
               <a:lnSpc>
                 <a:spcPct val="100000"/>
               </a:lnSpc>
@@ -6992,91 +7039,88 @@
               <a:buClrTx/>
               <a:buSzTx/>
               <a:buFontTx/>
-              <a:buNone/>
+              <a:buAutoNum type="arabicPeriod"/>
               <a:tabLst/>
               <a:defRPr/>
             </a:pPr>
             <a:r>
               <a:rPr lang="pl-PL" dirty="0"/>
-              <a:t>Jak wspomniałem wcześniej, do stworzenia projektu wykorzystałem wzorzec CQRS. Pod tym tajemniczym akronimem kryje się angielskie </a:t>
+              <a:t>Krótkie wprowadzenie do architektury CQRS</a:t>
+            </a:r>
+          </a:p>
+          <a:p>
+            <a:pPr marL="685800" marR="0" lvl="1" indent="-228600" algn="l" defTabSz="914400" rtl="0" eaLnBrk="1" fontAlgn="auto" latinLnBrk="0" hangingPunct="1">
+              <a:lnSpc>
+                <a:spcPct val="100000"/>
+              </a:lnSpc>
+              <a:spcBef>
+                <a:spcPts val="0"/>
+              </a:spcBef>
+              <a:spcAft>
+                <a:spcPts val="0"/>
+              </a:spcAft>
+              <a:buClrTx/>
+              <a:buSzTx/>
+              <a:buFontTx/>
+              <a:buAutoNum type="arabicPeriod"/>
+              <a:tabLst/>
+              <a:defRPr/>
+            </a:pPr>
+            <a:r>
+              <a:rPr lang="pl-PL" dirty="0"/>
+              <a:t>Jakie problemy rozwiązuje</a:t>
+            </a:r>
+          </a:p>
+          <a:p>
+            <a:pPr marL="685800" marR="0" lvl="1" indent="-228600" algn="l" defTabSz="914400" rtl="0" eaLnBrk="1" fontAlgn="auto" latinLnBrk="0" hangingPunct="1">
+              <a:lnSpc>
+                <a:spcPct val="100000"/>
+              </a:lnSpc>
+              <a:spcBef>
+                <a:spcPts val="0"/>
+              </a:spcBef>
+              <a:spcAft>
+                <a:spcPts val="0"/>
+              </a:spcAft>
+              <a:buClrTx/>
+              <a:buSzTx/>
+              <a:buFontTx/>
+              <a:buAutoNum type="arabicPeriod"/>
+              <a:tabLst/>
+              <a:defRPr/>
+            </a:pPr>
+            <a:r>
+              <a:rPr lang="pl-PL" dirty="0"/>
+              <a:t>Powiązanie z wzorcem Mediatora</a:t>
+            </a:r>
+          </a:p>
+          <a:p>
+            <a:pPr marL="685800" marR="0" lvl="1" indent="-228600" algn="l" defTabSz="914400" rtl="0" eaLnBrk="1" fontAlgn="auto" latinLnBrk="0" hangingPunct="1">
+              <a:lnSpc>
+                <a:spcPct val="100000"/>
+              </a:lnSpc>
+              <a:spcBef>
+                <a:spcPts val="0"/>
+              </a:spcBef>
+              <a:spcAft>
+                <a:spcPts val="0"/>
+              </a:spcAft>
+              <a:buClrTx/>
+              <a:buSzTx/>
+              <a:buFontTx/>
+              <a:buAutoNum type="arabicPeriod"/>
+              <a:tabLst/>
+              <a:defRPr/>
+            </a:pPr>
+            <a:r>
+              <a:rPr lang="pl-PL" dirty="0"/>
+              <a:t>Możliwość transformacji architektury monolitycznej na </a:t>
             </a:r>
             <a:r>
-              <a:rPr lang="pl-PL" b="1" i="0" dirty="0" err="1">
-                <a:solidFill>
-                  <a:srgbClr val="292929"/>
-                </a:solidFill>
-                <a:effectLst/>
-                <a:latin typeface="sohne"/>
-              </a:rPr>
-              <a:t>Command</a:t>
+              <a:rPr lang="pl-PL" dirty="0" err="1"/>
+              <a:t>mikrousługową</a:t>
             </a:r>
-            <a:r>
-              <a:rPr lang="pl-PL" b="1" i="0" dirty="0">
-                <a:solidFill>
-                  <a:srgbClr val="292929"/>
-                </a:solidFill>
-                <a:effectLst/>
-                <a:latin typeface="sohne"/>
-              </a:rPr>
-              <a:t> Query </a:t>
-            </a:r>
-            <a:r>
-              <a:rPr lang="pl-PL" b="1" i="0" dirty="0" err="1">
-                <a:solidFill>
-                  <a:srgbClr val="292929"/>
-                </a:solidFill>
-                <a:effectLst/>
-                <a:latin typeface="sohne"/>
-              </a:rPr>
-              <a:t>Responsibility</a:t>
-            </a:r>
-            <a:r>
-              <a:rPr lang="pl-PL" b="1" i="0" dirty="0">
-                <a:solidFill>
-                  <a:srgbClr val="292929"/>
-                </a:solidFill>
-                <a:effectLst/>
-                <a:latin typeface="sohne"/>
-              </a:rPr>
-              <a:t> </a:t>
-            </a:r>
-            <a:r>
-              <a:rPr lang="pl-PL" b="1" i="0" dirty="0" err="1">
-                <a:solidFill>
-                  <a:srgbClr val="292929"/>
-                </a:solidFill>
-                <a:effectLst/>
-                <a:latin typeface="sohne"/>
-              </a:rPr>
-              <a:t>Segregation</a:t>
-            </a:r>
-            <a:r>
-              <a:rPr lang="pl-PL" b="1" i="0" dirty="0">
-                <a:solidFill>
-                  <a:srgbClr val="292929"/>
-                </a:solidFill>
-                <a:effectLst/>
-                <a:latin typeface="sohne"/>
-              </a:rPr>
-              <a:t>. </a:t>
-            </a:r>
-            <a:r>
-              <a:rPr lang="pl-PL" b="0" i="0" dirty="0">
-                <a:solidFill>
-                  <a:srgbClr val="292929"/>
-                </a:solidFill>
-                <a:effectLst/>
-                <a:latin typeface="sohne"/>
-              </a:rPr>
-              <a:t>Głównym założeniem tego wzorca jest rozdzielenie operacji odczytu i zapisu. Można zapytać jakie problemy rozwiązuje ten wzorzec. Jedną z główny zalet jest poprawienie wydajności.</a:t>
-            </a:r>
-            <a:endParaRPr lang="pl-PL" b="1" i="0" dirty="0">
-              <a:solidFill>
-                <a:srgbClr val="292929"/>
-              </a:solidFill>
-              <a:effectLst/>
-              <a:latin typeface="sohne"/>
-            </a:endParaRPr>
+            <a:endParaRPr lang="pl-PL" dirty="0"/>
           </a:p>
         </p:txBody>
       </p:sp>
@@ -7160,7 +7204,118 @@
           <a:bodyPr/>
           <a:lstStyle/>
           <a:p>
-            <a:endParaRPr lang="pl-PL"/>
+            <a:pPr marL="228600" indent="-228600">
+              <a:buAutoNum type="arabicPeriod"/>
+            </a:pPr>
+            <a:r>
+              <a:rPr lang="pl-PL" dirty="0"/>
+              <a:t>Przedstawienie </a:t>
+            </a:r>
+            <a:r>
+              <a:rPr lang="pl-PL" dirty="0" err="1"/>
+              <a:t>MongoDB</a:t>
+            </a:r>
+            <a:r>
+              <a:rPr lang="pl-PL" dirty="0"/>
+              <a:t> jako dokumentowej bazy </a:t>
+            </a:r>
+            <a:r>
+              <a:rPr lang="pl-PL" dirty="0" err="1"/>
+              <a:t>NoSQL</a:t>
+            </a:r>
+            <a:endParaRPr lang="pl-PL" dirty="0"/>
+          </a:p>
+          <a:p>
+            <a:pPr marL="228600" indent="-228600">
+              <a:buAutoNum type="arabicPeriod"/>
+            </a:pPr>
+            <a:r>
+              <a:rPr lang="pl-PL" dirty="0"/>
+              <a:t>Dlaczego </a:t>
+            </a:r>
+            <a:r>
+              <a:rPr lang="pl-PL" dirty="0" err="1"/>
+              <a:t>NoSQL</a:t>
+            </a:r>
+            <a:r>
+              <a:rPr lang="pl-PL" dirty="0"/>
+              <a:t> ma znaczenie</a:t>
+            </a:r>
+          </a:p>
+          <a:p>
+            <a:pPr marL="228600" indent="-228600">
+              <a:buAutoNum type="arabicPeriod"/>
+            </a:pPr>
+            <a:r>
+              <a:rPr lang="pl-PL" dirty="0"/>
+              <a:t>Zalety bazy </a:t>
+            </a:r>
+            <a:r>
+              <a:rPr lang="pl-PL" dirty="0" err="1"/>
+              <a:t>MongoDB</a:t>
+            </a:r>
+            <a:endParaRPr lang="pl-PL" dirty="0"/>
+          </a:p>
+          <a:p>
+            <a:pPr marL="685800" lvl="1" indent="-228600">
+              <a:buAutoNum type="arabicPeriod"/>
+            </a:pPr>
+            <a:r>
+              <a:rPr lang="pl-PL" dirty="0"/>
+              <a:t>Skalowalność </a:t>
+            </a:r>
+            <a:r>
+              <a:rPr lang="pl-PL" dirty="0" err="1"/>
+              <a:t>osiągnieta</a:t>
+            </a:r>
+            <a:r>
+              <a:rPr lang="pl-PL" dirty="0"/>
+              <a:t> przez skalowanie wszerz</a:t>
+            </a:r>
+          </a:p>
+          <a:p>
+            <a:pPr marL="685800" lvl="1" indent="-228600">
+              <a:buAutoNum type="arabicPeriod"/>
+            </a:pPr>
+            <a:r>
+              <a:rPr lang="pl-PL" dirty="0"/>
+              <a:t>Mechanizm </a:t>
+            </a:r>
+            <a:r>
+              <a:rPr lang="pl-PL" dirty="0" err="1"/>
+              <a:t>parycjonowania</a:t>
+            </a:r>
+            <a:r>
+              <a:rPr lang="pl-PL" dirty="0"/>
+              <a:t> danych</a:t>
+            </a:r>
+          </a:p>
+          <a:p>
+            <a:pPr marL="228600" lvl="0" indent="-228600">
+              <a:buAutoNum type="arabicPeriod"/>
+            </a:pPr>
+            <a:r>
+              <a:rPr lang="pl-PL" dirty="0"/>
+              <a:t>Zapewnienie bezpieczeństwa danych poprzez wykorzystanie zbioru replik</a:t>
+            </a:r>
+          </a:p>
+          <a:p>
+            <a:pPr marL="228600" lvl="0" indent="-228600">
+              <a:buAutoNum type="arabicPeriod"/>
+            </a:pPr>
+            <a:r>
+              <a:rPr lang="pl-PL" dirty="0"/>
+              <a:t>Zalety i wady denormalizacji</a:t>
+            </a:r>
+          </a:p>
+          <a:p>
+            <a:pPr marL="228600" lvl="0" indent="-228600">
+              <a:buAutoNum type="arabicPeriod"/>
+            </a:pPr>
+            <a:r>
+              <a:rPr lang="pl-PL" dirty="0"/>
+              <a:t>Zalety i wady elastyczności schematu</a:t>
+            </a:r>
           </a:p>
         </p:txBody>
       </p:sp>
@@ -7347,7 +7502,7 @@
           <a:p>
             <a:fld id="{A6B2DE8F-5092-424E-A74D-A87D393AD07F}" type="datetimeFigureOut">
               <a:rPr lang="pl-PL" smtClean="0"/>
-              <a:t>19.01.2022</a:t>
+              <a:t>22.01.2022</a:t>
             </a:fld>
             <a:endParaRPr lang="pl-PL"/>
           </a:p>
@@ -7545,7 +7700,7 @@
           <a:p>
             <a:fld id="{A6B2DE8F-5092-424E-A74D-A87D393AD07F}" type="datetimeFigureOut">
               <a:rPr lang="pl-PL" smtClean="0"/>
-              <a:t>19.01.2022</a:t>
+              <a:t>22.01.2022</a:t>
             </a:fld>
             <a:endParaRPr lang="pl-PL"/>
           </a:p>
@@ -7753,7 +7908,7 @@
           <a:p>
             <a:fld id="{A6B2DE8F-5092-424E-A74D-A87D393AD07F}" type="datetimeFigureOut">
               <a:rPr lang="pl-PL" smtClean="0"/>
-              <a:t>19.01.2022</a:t>
+              <a:t>22.01.2022</a:t>
             </a:fld>
             <a:endParaRPr lang="pl-PL"/>
           </a:p>
@@ -7951,7 +8106,7 @@
           <a:p>
             <a:fld id="{A6B2DE8F-5092-424E-A74D-A87D393AD07F}" type="datetimeFigureOut">
               <a:rPr lang="pl-PL" smtClean="0"/>
-              <a:t>19.01.2022</a:t>
+              <a:t>22.01.2022</a:t>
             </a:fld>
             <a:endParaRPr lang="pl-PL"/>
           </a:p>
@@ -8226,7 +8381,7 @@
           <a:p>
             <a:fld id="{A6B2DE8F-5092-424E-A74D-A87D393AD07F}" type="datetimeFigureOut">
               <a:rPr lang="pl-PL" smtClean="0"/>
-              <a:t>19.01.2022</a:t>
+              <a:t>22.01.2022</a:t>
             </a:fld>
             <a:endParaRPr lang="pl-PL"/>
           </a:p>
@@ -8491,7 +8646,7 @@
           <a:p>
             <a:fld id="{A6B2DE8F-5092-424E-A74D-A87D393AD07F}" type="datetimeFigureOut">
               <a:rPr lang="pl-PL" smtClean="0"/>
-              <a:t>19.01.2022</a:t>
+              <a:t>22.01.2022</a:t>
             </a:fld>
             <a:endParaRPr lang="pl-PL"/>
           </a:p>
@@ -8903,7 +9058,7 @@
           <a:p>
             <a:fld id="{A6B2DE8F-5092-424E-A74D-A87D393AD07F}" type="datetimeFigureOut">
               <a:rPr lang="pl-PL" smtClean="0"/>
-              <a:t>19.01.2022</a:t>
+              <a:t>22.01.2022</a:t>
             </a:fld>
             <a:endParaRPr lang="pl-PL"/>
           </a:p>
@@ -9044,7 +9199,7 @@
           <a:p>
             <a:fld id="{A6B2DE8F-5092-424E-A74D-A87D393AD07F}" type="datetimeFigureOut">
               <a:rPr lang="pl-PL" smtClean="0"/>
-              <a:t>19.01.2022</a:t>
+              <a:t>22.01.2022</a:t>
             </a:fld>
             <a:endParaRPr lang="pl-PL"/>
           </a:p>
@@ -9157,7 +9312,7 @@
           <a:p>
             <a:fld id="{A6B2DE8F-5092-424E-A74D-A87D393AD07F}" type="datetimeFigureOut">
               <a:rPr lang="pl-PL" smtClean="0"/>
-              <a:t>19.01.2022</a:t>
+              <a:t>22.01.2022</a:t>
             </a:fld>
             <a:endParaRPr lang="pl-PL"/>
           </a:p>
@@ -9468,7 +9623,7 @@
           <a:p>
             <a:fld id="{A6B2DE8F-5092-424E-A74D-A87D393AD07F}" type="datetimeFigureOut">
               <a:rPr lang="pl-PL" smtClean="0"/>
-              <a:t>19.01.2022</a:t>
+              <a:t>22.01.2022</a:t>
             </a:fld>
             <a:endParaRPr lang="pl-PL"/>
           </a:p>
@@ -9756,7 +9911,7 @@
           <a:p>
             <a:fld id="{A6B2DE8F-5092-424E-A74D-A87D393AD07F}" type="datetimeFigureOut">
               <a:rPr lang="pl-PL" smtClean="0"/>
-              <a:t>19.01.2022</a:t>
+              <a:t>22.01.2022</a:t>
             </a:fld>
             <a:endParaRPr lang="pl-PL"/>
           </a:p>
@@ -9997,7 +10152,7 @@
           <a:p>
             <a:fld id="{A6B2DE8F-5092-424E-A74D-A87D393AD07F}" type="datetimeFigureOut">
               <a:rPr lang="pl-PL" smtClean="0"/>
-              <a:t>19.01.2022</a:t>
+              <a:t>22.01.2022</a:t>
             </a:fld>
             <a:endParaRPr lang="pl-PL"/>
           </a:p>
